--- a/Proj2_presentation.pptx
+++ b/Proj2_presentation.pptx
@@ -213,7 +213,7 @@
           <a:p>
             <a:fld id="{A5C20BB3-3CCB-4FE5-991B-82F6BCB48AF3}" type="datetimeFigureOut">
               <a:rPr lang="en-US" smtClean="0"/>
-              <a:t>12/16/2019</a:t>
+              <a:t>12/18/2019</a:t>
             </a:fld>
             <a:endParaRPr lang="en-US"/>
           </a:p>
@@ -1022,7 +1022,7 @@
           <a:p>
             <a:fld id="{5D6495F3-B757-4FAF-98AA-EDA7D1485485}" type="datetimeFigureOut">
               <a:rPr lang="en-US" smtClean="0"/>
-              <a:t>12/16/2019</a:t>
+              <a:t>12/18/2019</a:t>
             </a:fld>
             <a:endParaRPr lang="en-US"/>
           </a:p>
@@ -1220,7 +1220,7 @@
           <a:p>
             <a:fld id="{5D6495F3-B757-4FAF-98AA-EDA7D1485485}" type="datetimeFigureOut">
               <a:rPr lang="en-US" smtClean="0"/>
-              <a:t>12/16/2019</a:t>
+              <a:t>12/18/2019</a:t>
             </a:fld>
             <a:endParaRPr lang="en-US"/>
           </a:p>
@@ -1428,7 +1428,7 @@
           <a:p>
             <a:fld id="{5D6495F3-B757-4FAF-98AA-EDA7D1485485}" type="datetimeFigureOut">
               <a:rPr lang="en-US" smtClean="0"/>
-              <a:t>12/16/2019</a:t>
+              <a:t>12/18/2019</a:t>
             </a:fld>
             <a:endParaRPr lang="en-US"/>
           </a:p>
@@ -1626,7 +1626,7 @@
           <a:p>
             <a:fld id="{5D6495F3-B757-4FAF-98AA-EDA7D1485485}" type="datetimeFigureOut">
               <a:rPr lang="en-US" smtClean="0"/>
-              <a:t>12/16/2019</a:t>
+              <a:t>12/18/2019</a:t>
             </a:fld>
             <a:endParaRPr lang="en-US"/>
           </a:p>
@@ -1901,7 +1901,7 @@
           <a:p>
             <a:fld id="{5D6495F3-B757-4FAF-98AA-EDA7D1485485}" type="datetimeFigureOut">
               <a:rPr lang="en-US" smtClean="0"/>
-              <a:t>12/16/2019</a:t>
+              <a:t>12/18/2019</a:t>
             </a:fld>
             <a:endParaRPr lang="en-US"/>
           </a:p>
@@ -2166,7 +2166,7 @@
           <a:p>
             <a:fld id="{5D6495F3-B757-4FAF-98AA-EDA7D1485485}" type="datetimeFigureOut">
               <a:rPr lang="en-US" smtClean="0"/>
-              <a:t>12/16/2019</a:t>
+              <a:t>12/18/2019</a:t>
             </a:fld>
             <a:endParaRPr lang="en-US"/>
           </a:p>
@@ -2578,7 +2578,7 @@
           <a:p>
             <a:fld id="{5D6495F3-B757-4FAF-98AA-EDA7D1485485}" type="datetimeFigureOut">
               <a:rPr lang="en-US" smtClean="0"/>
-              <a:t>12/16/2019</a:t>
+              <a:t>12/18/2019</a:t>
             </a:fld>
             <a:endParaRPr lang="en-US"/>
           </a:p>
@@ -2719,7 +2719,7 @@
           <a:p>
             <a:fld id="{5D6495F3-B757-4FAF-98AA-EDA7D1485485}" type="datetimeFigureOut">
               <a:rPr lang="en-US" smtClean="0"/>
-              <a:t>12/16/2019</a:t>
+              <a:t>12/18/2019</a:t>
             </a:fld>
             <a:endParaRPr lang="en-US"/>
           </a:p>
@@ -2832,7 +2832,7 @@
           <a:p>
             <a:fld id="{5D6495F3-B757-4FAF-98AA-EDA7D1485485}" type="datetimeFigureOut">
               <a:rPr lang="en-US" smtClean="0"/>
-              <a:t>12/16/2019</a:t>
+              <a:t>12/18/2019</a:t>
             </a:fld>
             <a:endParaRPr lang="en-US"/>
           </a:p>
@@ -3143,7 +3143,7 @@
           <a:p>
             <a:fld id="{5D6495F3-B757-4FAF-98AA-EDA7D1485485}" type="datetimeFigureOut">
               <a:rPr lang="en-US" smtClean="0"/>
-              <a:t>12/16/2019</a:t>
+              <a:t>12/18/2019</a:t>
             </a:fld>
             <a:endParaRPr lang="en-US"/>
           </a:p>
@@ -3434,7 +3434,7 @@
           <a:p>
             <a:fld id="{5D6495F3-B757-4FAF-98AA-EDA7D1485485}" type="datetimeFigureOut">
               <a:rPr lang="en-US" smtClean="0"/>
-              <a:t>12/16/2019</a:t>
+              <a:t>12/18/2019</a:t>
             </a:fld>
             <a:endParaRPr lang="en-US"/>
           </a:p>
@@ -3675,7 +3675,7 @@
           <a:p>
             <a:fld id="{5D6495F3-B757-4FAF-98AA-EDA7D1485485}" type="datetimeFigureOut">
               <a:rPr lang="en-US" smtClean="0"/>
-              <a:t>12/16/2019</a:t>
+              <a:t>12/18/2019</a:t>
             </a:fld>
             <a:endParaRPr lang="en-US"/>
           </a:p>
@@ -7983,12 +7983,53 @@
           </a:fontRef>
         </p:style>
       </p:cxnSp>
+      <p:sp>
+        <p:nvSpPr>
+          <p:cNvPr id="8" name="Rectangle 7">
+            <a:extLst>
+              <a:ext uri="{FF2B5EF4-FFF2-40B4-BE49-F238E27FC236}">
+                <a16:creationId xmlns:a16="http://schemas.microsoft.com/office/drawing/2014/main" id="{05CCB12B-83E6-420C-A4BE-86348F986139}"/>
+              </a:ext>
+            </a:extLst>
+          </p:cNvPr>
+          <p:cNvSpPr/>
+          <p:nvPr/>
+        </p:nvSpPr>
+        <p:spPr>
+          <a:xfrm>
+            <a:off x="331567" y="6424455"/>
+            <a:ext cx="9859979" cy="369332"/>
+          </a:xfrm>
+          <a:prstGeom prst="rect">
+            <a:avLst/>
+          </a:prstGeom>
+        </p:spPr>
+        <p:txBody>
+          <a:bodyPr wrap="square">
+            <a:spAutoFit/>
+          </a:bodyPr>
+          <a:lstStyle/>
+          <a:p>
+            <a:r>
+              <a:rPr lang="en-US" u="sng" dirty="0">
+                <a:solidFill>
+                  <a:srgbClr val="1A466C"/>
+                </a:solidFill>
+                <a:latin typeface="Helvetica Neue"/>
+                <a:hlinkClick r:id="rId3"/>
+              </a:rPr>
+              <a:t>https://fivethirtyeight.datasettes.com/fivethirtyeight/births%2FUS_births_</a:t>
+            </a:r>
+            <a:endParaRPr lang="en-US" dirty="0"/>
+          </a:p>
+        </p:txBody>
+      </p:sp>
       <p:pic>
         <p:nvPicPr>
-          <p:cNvPr id="6" name="Picture 5">
-            <a:extLst>
-              <a:ext uri="{FF2B5EF4-FFF2-40B4-BE49-F238E27FC236}">
-                <a16:creationId xmlns:a16="http://schemas.microsoft.com/office/drawing/2014/main" id="{8EC8C4C8-625B-4D8E-B03D-BEB1A9AEE84F}"/>
+          <p:cNvPr id="5" name="Picture 4">
+            <a:extLst>
+              <a:ext uri="{FF2B5EF4-FFF2-40B4-BE49-F238E27FC236}">
+                <a16:creationId xmlns:a16="http://schemas.microsoft.com/office/drawing/2014/main" id="{493C5EDE-FEAF-43CB-8BB1-3EA73199DE56}"/>
               </a:ext>
             </a:extLst>
           </p:cNvPr>
@@ -7998,62 +8039,21 @@
           <p:nvPr/>
         </p:nvPicPr>
         <p:blipFill>
-          <a:blip r:embed="rId3"/>
+          <a:blip r:embed="rId4"/>
           <a:stretch>
             <a:fillRect/>
           </a:stretch>
         </p:blipFill>
         <p:spPr>
           <a:xfrm>
-            <a:off x="6445073" y="3627708"/>
-            <a:ext cx="5455917" cy="1595856"/>
+            <a:off x="6341661" y="2676904"/>
+            <a:ext cx="5344539" cy="3570874"/>
           </a:xfrm>
           <a:prstGeom prst="rect">
             <a:avLst/>
           </a:prstGeom>
         </p:spPr>
       </p:pic>
-      <p:sp>
-        <p:nvSpPr>
-          <p:cNvPr id="8" name="Rectangle 7">
-            <a:extLst>
-              <a:ext uri="{FF2B5EF4-FFF2-40B4-BE49-F238E27FC236}">
-                <a16:creationId xmlns:a16="http://schemas.microsoft.com/office/drawing/2014/main" id="{05CCB12B-83E6-420C-A4BE-86348F986139}"/>
-              </a:ext>
-            </a:extLst>
-          </p:cNvPr>
-          <p:cNvSpPr/>
-          <p:nvPr/>
-        </p:nvSpPr>
-        <p:spPr>
-          <a:xfrm>
-            <a:off x="331567" y="6424455"/>
-            <a:ext cx="9859979" cy="369332"/>
-          </a:xfrm>
-          <a:prstGeom prst="rect">
-            <a:avLst/>
-          </a:prstGeom>
-        </p:spPr>
-        <p:txBody>
-          <a:bodyPr wrap="square">
-            <a:spAutoFit/>
-          </a:bodyPr>
-          <a:lstStyle/>
-          <a:p>
-            <a:r>
-              <a:rPr lang="en-US" u="sng" dirty="0">
-                <a:solidFill>
-                  <a:srgbClr val="1A466C"/>
-                </a:solidFill>
-                <a:latin typeface="Helvetica Neue"/>
-                <a:hlinkClick r:id="rId4"/>
-              </a:rPr>
-              <a:t>https://fivethirtyeight.datasettes.com/fivethirtyeight/births%2FUS_births_</a:t>
-            </a:r>
-            <a:endParaRPr lang="en-US" dirty="0"/>
-          </a:p>
-        </p:txBody>
-      </p:sp>
     </p:spTree>
     <p:extLst>
       <p:ext uri="{BB962C8B-B14F-4D97-AF65-F5344CB8AC3E}">
